--- a/docs/2024/Banner_paradesportivo.pptx
+++ b/docs/2024/Banner_paradesportivo.pptx
@@ -104,6 +104,11 @@
       </a:defRPr>
     </a:lvl9pPr>
   </p:defaultTextStyle>
+  <p:extLst>
+    <p:ext uri="{EFAFB233-063F-42B5-8137-9DF3F51BA10A}">
+      <p15:sldGuideLst xmlns:p15="http://schemas.microsoft.com/office/powerpoint/2012/main"/>
+    </p:ext>
+  </p:extLst>
 </p:presentation>
 </file>
 
@@ -238,7 +243,7 @@
           <a:p>
             <a:fld id="{0387D412-FDB2-4383-B4D9-C5F9BD1C10F3}" type="datetimeFigureOut">
               <a:rPr lang="pt-BR" smtClean="0"/>
-              <a:t>12/09/2023</a:t>
+              <a:t>11/09/2024</a:t>
             </a:fld>
             <a:endParaRPr lang="pt-BR"/>
           </a:p>
@@ -408,7 +413,7 @@
           <a:p>
             <a:fld id="{0387D412-FDB2-4383-B4D9-C5F9BD1C10F3}" type="datetimeFigureOut">
               <a:rPr lang="pt-BR" smtClean="0"/>
-              <a:t>12/09/2023</a:t>
+              <a:t>11/09/2024</a:t>
             </a:fld>
             <a:endParaRPr lang="pt-BR"/>
           </a:p>
@@ -588,7 +593,7 @@
           <a:p>
             <a:fld id="{0387D412-FDB2-4383-B4D9-C5F9BD1C10F3}" type="datetimeFigureOut">
               <a:rPr lang="pt-BR" smtClean="0"/>
-              <a:t>12/09/2023</a:t>
+              <a:t>11/09/2024</a:t>
             </a:fld>
             <a:endParaRPr lang="pt-BR"/>
           </a:p>
@@ -758,7 +763,7 @@
           <a:p>
             <a:fld id="{0387D412-FDB2-4383-B4D9-C5F9BD1C10F3}" type="datetimeFigureOut">
               <a:rPr lang="pt-BR" smtClean="0"/>
-              <a:t>12/09/2023</a:t>
+              <a:t>11/09/2024</a:t>
             </a:fld>
             <a:endParaRPr lang="pt-BR"/>
           </a:p>
@@ -1002,7 +1007,7 @@
           <a:p>
             <a:fld id="{0387D412-FDB2-4383-B4D9-C5F9BD1C10F3}" type="datetimeFigureOut">
               <a:rPr lang="pt-BR" smtClean="0"/>
-              <a:t>12/09/2023</a:t>
+              <a:t>11/09/2024</a:t>
             </a:fld>
             <a:endParaRPr lang="pt-BR"/>
           </a:p>
@@ -1234,7 +1239,7 @@
           <a:p>
             <a:fld id="{0387D412-FDB2-4383-B4D9-C5F9BD1C10F3}" type="datetimeFigureOut">
               <a:rPr lang="pt-BR" smtClean="0"/>
-              <a:t>12/09/2023</a:t>
+              <a:t>11/09/2024</a:t>
             </a:fld>
             <a:endParaRPr lang="pt-BR"/>
           </a:p>
@@ -1601,7 +1606,7 @@
           <a:p>
             <a:fld id="{0387D412-FDB2-4383-B4D9-C5F9BD1C10F3}" type="datetimeFigureOut">
               <a:rPr lang="pt-BR" smtClean="0"/>
-              <a:t>12/09/2023</a:t>
+              <a:t>11/09/2024</a:t>
             </a:fld>
             <a:endParaRPr lang="pt-BR"/>
           </a:p>
@@ -1719,7 +1724,7 @@
           <a:p>
             <a:fld id="{0387D412-FDB2-4383-B4D9-C5F9BD1C10F3}" type="datetimeFigureOut">
               <a:rPr lang="pt-BR" smtClean="0"/>
-              <a:t>12/09/2023</a:t>
+              <a:t>11/09/2024</a:t>
             </a:fld>
             <a:endParaRPr lang="pt-BR"/>
           </a:p>
@@ -1814,7 +1819,7 @@
           <a:p>
             <a:fld id="{0387D412-FDB2-4383-B4D9-C5F9BD1C10F3}" type="datetimeFigureOut">
               <a:rPr lang="pt-BR" smtClean="0"/>
-              <a:t>12/09/2023</a:t>
+              <a:t>11/09/2024</a:t>
             </a:fld>
             <a:endParaRPr lang="pt-BR"/>
           </a:p>
@@ -2091,7 +2096,7 @@
           <a:p>
             <a:fld id="{0387D412-FDB2-4383-B4D9-C5F9BD1C10F3}" type="datetimeFigureOut">
               <a:rPr lang="pt-BR" smtClean="0"/>
-              <a:t>12/09/2023</a:t>
+              <a:t>11/09/2024</a:t>
             </a:fld>
             <a:endParaRPr lang="pt-BR"/>
           </a:p>
@@ -2348,7 +2353,7 @@
           <a:p>
             <a:fld id="{0387D412-FDB2-4383-B4D9-C5F9BD1C10F3}" type="datetimeFigureOut">
               <a:rPr lang="pt-BR" smtClean="0"/>
-              <a:t>12/09/2023</a:t>
+              <a:t>11/09/2024</a:t>
             </a:fld>
             <a:endParaRPr lang="pt-BR"/>
           </a:p>
@@ -2561,7 +2566,7 @@
           <a:p>
             <a:fld id="{0387D412-FDB2-4383-B4D9-C5F9BD1C10F3}" type="datetimeFigureOut">
               <a:rPr lang="pt-BR" smtClean="0"/>
-              <a:t>12/09/2023</a:t>
+              <a:t>11/09/2024</a:t>
             </a:fld>
             <a:endParaRPr lang="pt-BR"/>
           </a:p>
@@ -3375,58 +3380,6 @@
           </a:p>
         </p:txBody>
       </p:sp>
-      <p:sp>
-        <p:nvSpPr>
-          <p:cNvPr id="18" name="Retângulo 17">
-            <a:extLst>
-              <a:ext uri="{FF2B5EF4-FFF2-40B4-BE49-F238E27FC236}">
-                <a16:creationId xmlns:a16="http://schemas.microsoft.com/office/drawing/2014/main" id="{F4223DA9-AC29-6295-CCAF-C46FF86B38CE}"/>
-              </a:ext>
-            </a:extLst>
-          </p:cNvPr>
-          <p:cNvSpPr/>
-          <p:nvPr/>
-        </p:nvSpPr>
-        <p:spPr>
-          <a:xfrm>
-            <a:off x="8034887" y="39545703"/>
-            <a:ext cx="14378270" cy="2123889"/>
-          </a:xfrm>
-          <a:prstGeom prst="rect">
-            <a:avLst/>
-          </a:prstGeom>
-          <a:solidFill>
-            <a:schemeClr val="bg1"/>
-          </a:solidFill>
-          <a:ln>
-            <a:noFill/>
-          </a:ln>
-        </p:spPr>
-        <p:style>
-          <a:lnRef idx="2">
-            <a:schemeClr val="accent1">
-              <a:shade val="50000"/>
-            </a:schemeClr>
-          </a:lnRef>
-          <a:fillRef idx="1">
-            <a:schemeClr val="accent1"/>
-          </a:fillRef>
-          <a:effectRef idx="0">
-            <a:schemeClr val="accent1"/>
-          </a:effectRef>
-          <a:fontRef idx="minor">
-            <a:schemeClr val="lt1"/>
-          </a:fontRef>
-        </p:style>
-        <p:txBody>
-          <a:bodyPr rtlCol="0" anchor="ctr"/>
-          <a:lstStyle/>
-          <a:p>
-            <a:pPr algn="ctr"/>
-            <a:endParaRPr lang="pt-BR" sz="171" dirty="0"/>
-          </a:p>
-        </p:txBody>
-      </p:sp>
       <p:pic>
         <p:nvPicPr>
           <p:cNvPr id="19" name="Imagem 18">
@@ -3448,7 +3401,7 @@
         </p:blipFill>
         <p:spPr>
           <a:xfrm>
-            <a:off x="17532452" y="40754522"/>
+            <a:off x="18847081" y="40754522"/>
             <a:ext cx="4596904" cy="1375203"/>
           </a:xfrm>
           <a:prstGeom prst="rect">
@@ -3506,7 +3459,7 @@
         </p:blipFill>
         <p:spPr>
           <a:xfrm>
-            <a:off x="9252331" y="40644236"/>
+            <a:off x="12694388" y="40644236"/>
             <a:ext cx="3474625" cy="1485489"/>
           </a:xfrm>
           <a:prstGeom prst="rect">
@@ -3548,6 +3501,53 @@
           <a:prstGeom prst="rect">
             <a:avLst/>
           </a:prstGeom>
+        </p:spPr>
+      </p:pic>
+      <p:pic>
+        <p:nvPicPr>
+          <p:cNvPr id="1026" name="Picture 2">
+            <a:extLst>
+              <a:ext uri="{FF2B5EF4-FFF2-40B4-BE49-F238E27FC236}">
+                <a16:creationId xmlns:a16="http://schemas.microsoft.com/office/drawing/2014/main" id="{0CBBBF1E-F7BD-B6DC-DFD3-1F6B3154A11D}"/>
+              </a:ext>
+            </a:extLst>
+          </p:cNvPr>
+          <p:cNvPicPr>
+            <a:picLocks noChangeAspect="1" noChangeArrowheads="1"/>
+          </p:cNvPicPr>
+          <p:nvPr/>
+        </p:nvPicPr>
+        <p:blipFill>
+          <a:blip r:embed="rId5">
+            <a:extLst>
+              <a:ext uri="{28A0092B-C50C-407E-A947-70E740481C1C}">
+                <a14:useLocalDpi xmlns:a14="http://schemas.microsoft.com/office/drawing/2010/main" val="0"/>
+              </a:ext>
+            </a:extLst>
+          </a:blip>
+          <a:srcRect/>
+          <a:stretch>
+            <a:fillRect/>
+          </a:stretch>
+        </p:blipFill>
+        <p:spPr bwMode="auto">
+          <a:xfrm>
+            <a:off x="6290037" y="40756980"/>
+            <a:ext cx="3726283" cy="1150087"/>
+          </a:xfrm>
+          <a:prstGeom prst="rect">
+            <a:avLst/>
+          </a:prstGeom>
+          <a:noFill/>
+          <a:extLst>
+            <a:ext uri="{909E8E84-426E-40DD-AFC4-6F175D3DCCD1}">
+              <a14:hiddenFill xmlns:a14="http://schemas.microsoft.com/office/drawing/2010/main">
+                <a:solidFill>
+                  <a:srgbClr val="FFFFFF"/>
+                </a:solidFill>
+              </a14:hiddenFill>
+            </a:ext>
+          </a:extLst>
         </p:spPr>
       </p:pic>
     </p:spTree>
